--- a/Assignment.pptx
+++ b/Assignment.pptx
@@ -317,7 +317,7 @@
             <a:fld id="{1D8BD707-D9CF-40AE-B4C6-C98DA3205C09}" type="datetimeFigureOut">
               <a:rPr lang="en-US" smtClean="0"/>
               <a:pPr/>
-              <a:t>21/09/2020</a:t>
+              <a:t>25/10/2020</a:t>
             </a:fld>
             <a:endParaRPr lang="en-US" dirty="0"/>
           </a:p>
@@ -484,7 +484,7 @@
             <a:fld id="{1D8BD707-D9CF-40AE-B4C6-C98DA3205C09}" type="datetimeFigureOut">
               <a:rPr lang="en-US" smtClean="0"/>
               <a:pPr/>
-              <a:t>21/09/2020</a:t>
+              <a:t>25/10/2020</a:t>
             </a:fld>
             <a:endParaRPr lang="en-US" dirty="0"/>
           </a:p>
@@ -661,7 +661,7 @@
             <a:fld id="{1D8BD707-D9CF-40AE-B4C6-C98DA3205C09}" type="datetimeFigureOut">
               <a:rPr lang="en-US" smtClean="0"/>
               <a:pPr/>
-              <a:t>21/09/2020</a:t>
+              <a:t>25/10/2020</a:t>
             </a:fld>
             <a:endParaRPr lang="en-US" dirty="0"/>
           </a:p>
@@ -828,7 +828,7 @@
             <a:fld id="{1D8BD707-D9CF-40AE-B4C6-C98DA3205C09}" type="datetimeFigureOut">
               <a:rPr lang="en-US" smtClean="0"/>
               <a:pPr/>
-              <a:t>21/09/2020</a:t>
+              <a:t>25/10/2020</a:t>
             </a:fld>
             <a:endParaRPr lang="en-US" dirty="0"/>
           </a:p>
@@ -1071,7 +1071,7 @@
             <a:fld id="{1D8BD707-D9CF-40AE-B4C6-C98DA3205C09}" type="datetimeFigureOut">
               <a:rPr lang="en-US" smtClean="0"/>
               <a:pPr/>
-              <a:t>21/09/2020</a:t>
+              <a:t>25/10/2020</a:t>
             </a:fld>
             <a:endParaRPr lang="en-US" dirty="0"/>
           </a:p>
@@ -1356,7 +1356,7 @@
             <a:fld id="{1D8BD707-D9CF-40AE-B4C6-C98DA3205C09}" type="datetimeFigureOut">
               <a:rPr lang="en-US" smtClean="0"/>
               <a:pPr/>
-              <a:t>21/09/2020</a:t>
+              <a:t>25/10/2020</a:t>
             </a:fld>
             <a:endParaRPr lang="en-US" dirty="0"/>
           </a:p>
@@ -1775,7 +1775,7 @@
             <a:fld id="{1D8BD707-D9CF-40AE-B4C6-C98DA3205C09}" type="datetimeFigureOut">
               <a:rPr lang="en-US" smtClean="0"/>
               <a:pPr/>
-              <a:t>21/09/2020</a:t>
+              <a:t>25/10/2020</a:t>
             </a:fld>
             <a:endParaRPr lang="en-US" dirty="0"/>
           </a:p>
@@ -1890,7 +1890,7 @@
             <a:fld id="{1D8BD707-D9CF-40AE-B4C6-C98DA3205C09}" type="datetimeFigureOut">
               <a:rPr lang="en-US" smtClean="0"/>
               <a:pPr/>
-              <a:t>21/09/2020</a:t>
+              <a:t>25/10/2020</a:t>
             </a:fld>
             <a:endParaRPr lang="en-US" dirty="0"/>
           </a:p>
@@ -1982,7 +1982,7 @@
             <a:fld id="{1D8BD707-D9CF-40AE-B4C6-C98DA3205C09}" type="datetimeFigureOut">
               <a:rPr lang="en-US" smtClean="0"/>
               <a:pPr/>
-              <a:t>21/09/2020</a:t>
+              <a:t>25/10/2020</a:t>
             </a:fld>
             <a:endParaRPr lang="en-US" dirty="0"/>
           </a:p>
@@ -2256,7 +2256,7 @@
             <a:fld id="{1D8BD707-D9CF-40AE-B4C6-C98DA3205C09}" type="datetimeFigureOut">
               <a:rPr lang="en-US" smtClean="0"/>
               <a:pPr/>
-              <a:t>21/09/2020</a:t>
+              <a:t>25/10/2020</a:t>
             </a:fld>
             <a:endParaRPr lang="en-US" dirty="0"/>
           </a:p>
@@ -2506,7 +2506,7 @@
             <a:fld id="{1D8BD707-D9CF-40AE-B4C6-C98DA3205C09}" type="datetimeFigureOut">
               <a:rPr lang="en-US" smtClean="0"/>
               <a:pPr/>
-              <a:t>21/09/2020</a:t>
+              <a:t>25/10/2020</a:t>
             </a:fld>
             <a:endParaRPr lang="en-US" dirty="0"/>
           </a:p>
@@ -2716,7 +2716,7 @@
             <a:fld id="{1D8BD707-D9CF-40AE-B4C6-C98DA3205C09}" type="datetimeFigureOut">
               <a:rPr lang="en-US" smtClean="0"/>
               <a:pPr/>
-              <a:t>21/09/2020</a:t>
+              <a:t>25/10/2020</a:t>
             </a:fld>
             <a:endParaRPr lang="en-US" dirty="0"/>
           </a:p>
@@ -3404,7 +3404,19 @@
             </a:pPr>
             <a:r>
               <a:rPr lang="en-US" dirty="0" smtClean="0"/>
-              <a:t>7. Fetch the details of those customers who have not city.</a:t>
+              <a:t>7. Fetch the details of those customers who </a:t>
+            </a:r>
+            <a:r>
+              <a:rPr lang="en-US" smtClean="0"/>
+              <a:t>have </a:t>
+            </a:r>
+            <a:r>
+              <a:rPr lang="en-US" smtClean="0"/>
+              <a:t>no </a:t>
+            </a:r>
+            <a:r>
+              <a:rPr lang="en-US" dirty="0" smtClean="0"/>
+              <a:t>city.</a:t>
             </a:r>
           </a:p>
           <a:p>
@@ -3763,7 +3775,7 @@
           <a:graphicData uri="http://schemas.openxmlformats.org/presentationml/2006/ole">
             <mc:AlternateContent xmlns:mc="http://schemas.openxmlformats.org/markup-compatibility/2006">
               <mc:Choice xmlns:v="urn:schemas-microsoft-com:vml" Requires="v">
-                <p:oleObj spid="_x0000_s1027" name="Worksheet" r:id="rId5" imgW="2448117" imgH="1152673" progId="Excel.Sheet.12">
+                <p:oleObj spid="_x0000_s1028" name="Worksheet" r:id="rId5" imgW="2448117" imgH="1152673" progId="Excel.Sheet.12">
                   <p:embed/>
                 </p:oleObj>
               </mc:Choice>
@@ -3952,7 +3964,7 @@
           <a:graphicData uri="http://schemas.openxmlformats.org/presentationml/2006/ole">
             <mc:AlternateContent xmlns:mc="http://schemas.openxmlformats.org/markup-compatibility/2006">
               <mc:Choice xmlns:v="urn:schemas-microsoft-com:vml" Requires="v">
-                <p:oleObj spid="_x0000_s2051" name="Worksheet" r:id="rId5" imgW="3057410" imgH="1533655" progId="Excel.Sheet.12">
+                <p:oleObj spid="_x0000_s2052" name="Worksheet" r:id="rId5" imgW="3057410" imgH="1533655" progId="Excel.Sheet.12">
                   <p:embed/>
                 </p:oleObj>
               </mc:Choice>
@@ -4141,7 +4153,7 @@
           <a:graphicData uri="http://schemas.openxmlformats.org/presentationml/2006/ole">
             <mc:AlternateContent xmlns:mc="http://schemas.openxmlformats.org/markup-compatibility/2006">
               <mc:Choice xmlns:v="urn:schemas-microsoft-com:vml" Requires="v">
-                <p:oleObj spid="_x0000_s3075" name="Worksheet" r:id="rId5" imgW="3162257" imgH="2104917" progId="Excel.Sheet.12">
+                <p:oleObj spid="_x0000_s3076" name="Worksheet" r:id="rId5" imgW="3162257" imgH="2104917" progId="Excel.Sheet.12">
                   <p:embed/>
                 </p:oleObj>
               </mc:Choice>
@@ -4747,84 +4759,7 @@
                   </a:schemeClr>
                 </a:solidFill>
               </a:rPr>
-              <a:t>All SQL statements used in the given assignment need to be documented in assignment file </a:t>
-            </a:r>
-            <a:r>
-              <a:rPr lang="en-US" dirty="0" smtClean="0">
-                <a:solidFill>
-                  <a:schemeClr val="tx2">
-                    <a:lumMod val="60000"/>
-                    <a:lumOff val="40000"/>
-                  </a:schemeClr>
-                </a:solidFill>
-              </a:rPr>
-              <a:t>and pre </a:t>
-            </a:r>
-            <a:r>
-              <a:rPr lang="en-US" dirty="0" smtClean="0">
-                <a:solidFill>
-                  <a:schemeClr val="tx2">
-                    <a:lumMod val="60000"/>
-                    <a:lumOff val="40000"/>
-                  </a:schemeClr>
-                </a:solidFill>
-              </a:rPr>
-              <a:t>executed in Oracle SQL Developer application and</a:t>
-            </a:r>
-            <a:r>
-              <a:rPr lang="en-US" dirty="0" smtClean="0">
-                <a:solidFill>
-                  <a:schemeClr val="tx2">
-                    <a:lumMod val="60000"/>
-                    <a:lumOff val="40000"/>
-                  </a:schemeClr>
-                </a:solidFill>
-              </a:rPr>
-              <a:t> </a:t>
-            </a:r>
-            <a:r>
-              <a:rPr lang="en-US" dirty="0" smtClean="0">
-                <a:solidFill>
-                  <a:schemeClr val="tx2">
-                    <a:lumMod val="60000"/>
-                    <a:lumOff val="40000"/>
-                  </a:schemeClr>
-                </a:solidFill>
-              </a:rPr>
-              <a:t>proper </a:t>
-            </a:r>
-            <a:r>
-              <a:rPr lang="en-US" dirty="0" smtClean="0">
-                <a:solidFill>
-                  <a:schemeClr val="tx2">
-                    <a:lumMod val="60000"/>
-                    <a:lumOff val="40000"/>
-                  </a:schemeClr>
-                </a:solidFill>
-              </a:rPr>
-              <a:t>outputs must be stated in </a:t>
-            </a:r>
-            <a:r>
-              <a:rPr lang="en-US" dirty="0" smtClean="0">
-                <a:solidFill>
-                  <a:schemeClr val="tx2">
-                    <a:lumMod val="60000"/>
-                    <a:lumOff val="40000"/>
-                  </a:schemeClr>
-                </a:solidFill>
-              </a:rPr>
-              <a:t>your documentation</a:t>
-            </a:r>
-            <a:r>
-              <a:rPr lang="en-US" dirty="0" smtClean="0">
-                <a:solidFill>
-                  <a:schemeClr val="tx2">
-                    <a:lumMod val="60000"/>
-                    <a:lumOff val="40000"/>
-                  </a:schemeClr>
-                </a:solidFill>
-              </a:rPr>
-              <a:t>.   </a:t>
+              <a:t>All SQL statements used in the given assignment need to be documented in assignment file and pre executed in Oracle SQL Developer application and proper outputs must be stated in your documentation.   </a:t>
             </a:r>
             <a:endParaRPr lang="en-US" dirty="0">
               <a:solidFill>
